--- a/Slides/05_WebAPI_TrainingPlan.pptx
+++ b/Slides/05_WebAPI_TrainingPlan.pptx
@@ -212,7 +212,7 @@
           <a:p>
             <a:fld id="{4BF743CC-1DEF-4052-93D3-94FD6541D9A8}" type="datetimeFigureOut">
               <a:rPr lang="en-US" smtClean="0"/>
-              <a:t>1/30/2018</a:t>
+              <a:t>2/25/2018</a:t>
             </a:fld>
             <a:endParaRPr lang="en-US"/>
           </a:p>
@@ -2753,7 +2753,7 @@
           <a:p>
             <a:fld id="{96FB5D56-0812-4ED5-8B52-3D0DCBF578CB}" type="datetimeFigureOut">
               <a:rPr lang="en-US" smtClean="0"/>
-              <a:t>1/30/2018</a:t>
+              <a:t>2/25/2018</a:t>
             </a:fld>
             <a:endParaRPr lang="en-US"/>
           </a:p>
@@ -3028,7 +3028,7 @@
           <a:p>
             <a:fld id="{96FB5D56-0812-4ED5-8B52-3D0DCBF578CB}" type="datetimeFigureOut">
               <a:rPr lang="en-US" smtClean="0"/>
-              <a:t>1/30/2018</a:t>
+              <a:t>2/25/2018</a:t>
             </a:fld>
             <a:endParaRPr lang="en-US"/>
           </a:p>
@@ -3222,7 +3222,7 @@
           <a:p>
             <a:fld id="{96FB5D56-0812-4ED5-8B52-3D0DCBF578CB}" type="datetimeFigureOut">
               <a:rPr lang="en-US" smtClean="0"/>
-              <a:t>1/30/2018</a:t>
+              <a:t>2/25/2018</a:t>
             </a:fld>
             <a:endParaRPr lang="en-US"/>
           </a:p>
@@ -3495,7 +3495,7 @@
           <a:p>
             <a:fld id="{96FB5D56-0812-4ED5-8B52-3D0DCBF578CB}" type="datetimeFigureOut">
               <a:rPr lang="en-US" smtClean="0"/>
-              <a:t>1/30/2018</a:t>
+              <a:t>2/25/2018</a:t>
             </a:fld>
             <a:endParaRPr lang="en-US"/>
           </a:p>
@@ -3836,7 +3836,7 @@
           <a:p>
             <a:fld id="{96FB5D56-0812-4ED5-8B52-3D0DCBF578CB}" type="datetimeFigureOut">
               <a:rPr lang="en-US" smtClean="0"/>
-              <a:t>1/30/2018</a:t>
+              <a:t>2/25/2018</a:t>
             </a:fld>
             <a:endParaRPr lang="en-US"/>
           </a:p>
@@ -4459,7 +4459,7 @@
           <a:p>
             <a:fld id="{96FB5D56-0812-4ED5-8B52-3D0DCBF578CB}" type="datetimeFigureOut">
               <a:rPr lang="en-US" smtClean="0"/>
-              <a:t>1/30/2018</a:t>
+              <a:t>2/25/2018</a:t>
             </a:fld>
             <a:endParaRPr lang="en-US"/>
           </a:p>
@@ -5319,7 +5319,7 @@
           <a:p>
             <a:fld id="{96FB5D56-0812-4ED5-8B52-3D0DCBF578CB}" type="datetimeFigureOut">
               <a:rPr lang="en-US" smtClean="0"/>
-              <a:t>1/30/2018</a:t>
+              <a:t>2/25/2018</a:t>
             </a:fld>
             <a:endParaRPr lang="en-US"/>
           </a:p>
@@ -5489,7 +5489,7 @@
           <a:p>
             <a:fld id="{96FB5D56-0812-4ED5-8B52-3D0DCBF578CB}" type="datetimeFigureOut">
               <a:rPr lang="en-US" smtClean="0"/>
-              <a:t>1/30/2018</a:t>
+              <a:t>2/25/2018</a:t>
             </a:fld>
             <a:endParaRPr lang="en-US"/>
           </a:p>
@@ -5669,7 +5669,7 @@
           <a:p>
             <a:fld id="{96FB5D56-0812-4ED5-8B52-3D0DCBF578CB}" type="datetimeFigureOut">
               <a:rPr lang="en-US" smtClean="0"/>
-              <a:t>1/30/2018</a:t>
+              <a:t>2/25/2018</a:t>
             </a:fld>
             <a:endParaRPr lang="en-US"/>
           </a:p>
@@ -5839,7 +5839,7 @@
           <a:p>
             <a:fld id="{96FB5D56-0812-4ED5-8B52-3D0DCBF578CB}" type="datetimeFigureOut">
               <a:rPr lang="en-US" smtClean="0"/>
-              <a:t>1/30/2018</a:t>
+              <a:t>2/25/2018</a:t>
             </a:fld>
             <a:endParaRPr lang="en-US"/>
           </a:p>
@@ -6086,7 +6086,7 @@
           <a:p>
             <a:fld id="{96FB5D56-0812-4ED5-8B52-3D0DCBF578CB}" type="datetimeFigureOut">
               <a:rPr lang="en-US" smtClean="0"/>
-              <a:t>1/30/2018</a:t>
+              <a:t>2/25/2018</a:t>
             </a:fld>
             <a:endParaRPr lang="en-US"/>
           </a:p>
@@ -6378,7 +6378,7 @@
           <a:p>
             <a:fld id="{96FB5D56-0812-4ED5-8B52-3D0DCBF578CB}" type="datetimeFigureOut">
               <a:rPr lang="en-US" smtClean="0"/>
-              <a:t>1/30/2018</a:t>
+              <a:t>2/25/2018</a:t>
             </a:fld>
             <a:endParaRPr lang="en-US"/>
           </a:p>
@@ -6822,7 +6822,7 @@
           <a:p>
             <a:fld id="{96FB5D56-0812-4ED5-8B52-3D0DCBF578CB}" type="datetimeFigureOut">
               <a:rPr lang="en-US" smtClean="0"/>
-              <a:t>1/30/2018</a:t>
+              <a:t>2/25/2018</a:t>
             </a:fld>
             <a:endParaRPr lang="en-US"/>
           </a:p>
@@ -6940,7 +6940,7 @@
           <a:p>
             <a:fld id="{96FB5D56-0812-4ED5-8B52-3D0DCBF578CB}" type="datetimeFigureOut">
               <a:rPr lang="en-US" smtClean="0"/>
-              <a:t>1/30/2018</a:t>
+              <a:t>2/25/2018</a:t>
             </a:fld>
             <a:endParaRPr lang="en-US"/>
           </a:p>
@@ -7035,7 +7035,7 @@
           <a:p>
             <a:fld id="{96FB5D56-0812-4ED5-8B52-3D0DCBF578CB}" type="datetimeFigureOut">
               <a:rPr lang="en-US" smtClean="0"/>
-              <a:t>1/30/2018</a:t>
+              <a:t>2/25/2018</a:t>
             </a:fld>
             <a:endParaRPr lang="en-US"/>
           </a:p>
@@ -7314,7 +7314,7 @@
           <a:p>
             <a:fld id="{96FB5D56-0812-4ED5-8B52-3D0DCBF578CB}" type="datetimeFigureOut">
               <a:rPr lang="en-US" smtClean="0"/>
-              <a:t>1/30/2018</a:t>
+              <a:t>2/25/2018</a:t>
             </a:fld>
             <a:endParaRPr lang="en-US"/>
           </a:p>
@@ -7589,7 +7589,7 @@
           <a:p>
             <a:fld id="{96FB5D56-0812-4ED5-8B52-3D0DCBF578CB}" type="datetimeFigureOut">
               <a:rPr lang="en-US" smtClean="0"/>
-              <a:t>1/30/2018</a:t>
+              <a:t>2/25/2018</a:t>
             </a:fld>
             <a:endParaRPr lang="en-US"/>
           </a:p>
@@ -8018,7 +8018,7 @@
           <a:p>
             <a:fld id="{96FB5D56-0812-4ED5-8B52-3D0DCBF578CB}" type="datetimeFigureOut">
               <a:rPr lang="en-US" smtClean="0"/>
-              <a:t>1/30/2018</a:t>
+              <a:t>2/25/2018</a:t>
             </a:fld>
             <a:endParaRPr lang="en-US"/>
           </a:p>
@@ -9389,11 +9389,7 @@
           <a:p>
             <a:r>
               <a:rPr lang="en-US" sz="3200" dirty="0" smtClean="0"/>
-              <a:t>Try </a:t>
-            </a:r>
-            <a:r>
-              <a:rPr lang="en-US" sz="3200" dirty="0" smtClean="0"/>
-              <a:t>creating different web </a:t>
+              <a:t>Try creating different web </a:t>
             </a:r>
             <a:r>
               <a:rPr lang="en-US" sz="3200" dirty="0" err="1" smtClean="0"/>
@@ -9403,7 +9399,6 @@
               <a:rPr lang="en-US" sz="3200" dirty="0" smtClean="0"/>
               <a:t>.</a:t>
             </a:r>
-            <a:endParaRPr lang="en-US" sz="3200" dirty="0" smtClean="0"/>
           </a:p>
           <a:p>
             <a:r>
@@ -9416,7 +9411,6 @@
               <a:rPr lang="en-US" sz="3200" dirty="0" smtClean="0"/>
               <a:t>Hook it up to the database.</a:t>
             </a:r>
-            <a:endParaRPr lang="en-US" sz="3200" dirty="0" smtClean="0"/>
           </a:p>
           <a:p>
             <a:endParaRPr lang="en-US" sz="2800" dirty="0" smtClean="0"/>
@@ -9489,7 +9483,7 @@
         <p:spPr/>
         <p:txBody>
           <a:bodyPr>
-            <a:normAutofit/>
+            <a:normAutofit fontScale="92500" lnSpcReduction="10000"/>
           </a:bodyPr>
           <a:lstStyle/>
           <a:p>
@@ -9535,8 +9529,24 @@
             <a:pPr lvl="1"/>
             <a:r>
               <a:rPr lang="en-US" sz="2800" dirty="0" smtClean="0"/>
-              <a:t>Uniform Interface</a:t>
-            </a:r>
+              <a:t>Uniform </a:t>
+            </a:r>
+            <a:r>
+              <a:rPr lang="en-US" sz="2800" dirty="0" smtClean="0"/>
+              <a:t>Interface</a:t>
+            </a:r>
+          </a:p>
+          <a:p>
+            <a:pPr lvl="2"/>
+            <a:r>
+              <a:rPr lang="en-US" sz="2600" dirty="0" smtClean="0"/>
+              <a:t>Entities represented as different uniform resource identifiers</a:t>
+            </a:r>
+            <a:endParaRPr lang="en-US" sz="2600" dirty="0" smtClean="0"/>
+          </a:p>
+          <a:p>
+            <a:pPr lvl="2"/>
+            <a:endParaRPr lang="en-US" sz="2600" dirty="0" smtClean="0"/>
           </a:p>
         </p:txBody>
       </p:sp>
@@ -10185,7 +10195,15 @@
             </a:r>
             <a:r>
               <a:rPr lang="en-US" sz="2600" dirty="0"/>
-              <a:t>": 0	</a:t>
+              <a:t>": </a:t>
+            </a:r>
+            <a:r>
+              <a:rPr lang="en-US" sz="2600" dirty="0" smtClean="0"/>
+              <a:t>0,</a:t>
+            </a:r>
+            <a:r>
+              <a:rPr lang="en-US" sz="2600" dirty="0"/>
+              <a:t>	</a:t>
             </a:r>
             <a:endParaRPr lang="en-US" sz="2600" dirty="0" smtClean="0"/>
           </a:p>
